--- a/Caching & Performance in ColdFusion - ACF Summit 2019.pptx
+++ b/Caching & Performance in ColdFusion - ACF Summit 2019.pptx
@@ -5776,6 +5776,65 @@
           </a:p>
         </p:txBody>
       </p:sp>
+      <p:sp>
+        <p:nvSpPr>
+          <p:cNvPr id="4" name="Rectangle 3">
+            <a:extLst>
+              <a:ext uri="{FF2B5EF4-FFF2-40B4-BE49-F238E27FC236}">
+                <a16:creationId xmlns:a16="http://schemas.microsoft.com/office/drawing/2014/main" id="{97564032-2C22-4DE6-B145-F3170A04A8A1}"/>
+              </a:ext>
+            </a:extLst>
+          </p:cNvPr>
+          <p:cNvSpPr/>
+          <p:nvPr/>
+        </p:nvSpPr>
+        <p:spPr>
+          <a:xfrm>
+            <a:off x="5582855" y="5934670"/>
+            <a:ext cx="7473387" cy="923330"/>
+          </a:xfrm>
+          <a:prstGeom prst="rect">
+            <a:avLst/>
+          </a:prstGeom>
+        </p:spPr>
+        <p:txBody>
+          <a:bodyPr wrap="square">
+            <a:spAutoFit/>
+          </a:bodyPr>
+          <a:lstStyle/>
+          <a:p>
+            <a:pPr marL="742950" lvl="1" indent="-285750">
+              <a:buFont typeface="Arial" panose="020B0604020202020204" pitchFamily="34" charset="0"/>
+              <a:buChar char="•"/>
+            </a:pPr>
+            <a:endParaRPr lang="en-US" b="1" dirty="0"/>
+          </a:p>
+          <a:p>
+            <a:pPr marL="285750" indent="-285750">
+              <a:buFont typeface="Arial" panose="020B0604020202020204" pitchFamily="34" charset="0"/>
+              <a:buChar char="•"/>
+            </a:pPr>
+            <a:r>
+              <a:rPr lang="en-US" b="1"/>
+              <a:t>Slides </a:t>
+            </a:r>
+            <a:r>
+              <a:rPr lang="en-US" b="1" dirty="0"/>
+              <a:t>and code available at:</a:t>
+            </a:r>
+            <a:br>
+              <a:rPr lang="en-US" b="1" dirty="0"/>
+            </a:br>
+            <a:r>
+              <a:rPr lang="en-US" b="1" dirty="0">
+                <a:hlinkClick r:id="rId2"/>
+              </a:rPr>
+              <a:t>https://github.com/ddspringle/cfsummit19-preso-assets</a:t>
+            </a:r>
+            <a:endParaRPr lang="en-US" b="1" dirty="0"/>
+          </a:p>
+        </p:txBody>
+      </p:sp>
     </p:spTree>
     <p:extLst>
       <p:ext uri="{BB962C8B-B14F-4D97-AF65-F5344CB8AC3E}">
@@ -9198,8 +9257,61 @@
             </a:pPr>
             <a:endParaRPr lang="en-US" dirty="0"/>
           </a:p>
-        </p:txBody>
-      </p:sp>
+          <a:p>
+            <a:pPr marL="285750" indent="-285750">
+              <a:buFont typeface="Arial" panose="020B0604020202020204" pitchFamily="34" charset="0"/>
+              <a:buChar char="•"/>
+            </a:pPr>
+            <a:endParaRPr lang="en-US" dirty="0"/>
+          </a:p>
+        </p:txBody>
+      </p:sp>
+      <p:pic>
+        <p:nvPicPr>
+          <p:cNvPr id="5" name="Picture 4">
+            <a:extLst>
+              <a:ext uri="{FF2B5EF4-FFF2-40B4-BE49-F238E27FC236}">
+                <a16:creationId xmlns:a16="http://schemas.microsoft.com/office/drawing/2014/main" id="{936DC15E-09B7-4CDD-B460-F33080883D48}"/>
+              </a:ext>
+            </a:extLst>
+          </p:cNvPr>
+          <p:cNvPicPr>
+            <a:picLocks noChangeAspect="1"/>
+          </p:cNvPicPr>
+          <p:nvPr/>
+        </p:nvPicPr>
+        <p:blipFill>
+          <a:blip r:embed="rId4"/>
+          <a:stretch>
+            <a:fillRect/>
+          </a:stretch>
+        </p:blipFill>
+        <p:spPr>
+          <a:xfrm>
+            <a:off x="8185119" y="5283490"/>
+            <a:ext cx="2997200" cy="571500"/>
+          </a:xfrm>
+          <a:prstGeom prst="rect">
+            <a:avLst/>
+          </a:prstGeom>
+          <a:solidFill>
+            <a:srgbClr val="0070C0"/>
+          </a:solidFill>
+          <a:ln w="127000" cap="sq">
+            <a:solidFill>
+              <a:srgbClr val="0070C0"/>
+            </a:solidFill>
+            <a:miter lim="800000"/>
+          </a:ln>
+          <a:effectLst>
+            <a:outerShdw blurRad="254000" dist="190500" dir="2700000" sy="90000" algn="bl" rotWithShape="0">
+              <a:srgbClr val="000000">
+                <a:alpha val="40000"/>
+              </a:srgbClr>
+            </a:outerShdw>
+          </a:effectLst>
+        </p:spPr>
+      </p:pic>
     </p:spTree>
     <p:extLst>
       <p:ext uri="{BB962C8B-B14F-4D97-AF65-F5344CB8AC3E}">
@@ -9323,15 +9435,7 @@
           <a:p>
             <a:r>
               <a:rPr lang="en-US" sz="1600" dirty="0"/>
-              <a:t>The secret </a:t>
-            </a:r>
-            <a:r>
-              <a:rPr lang="en-US" sz="1600"/>
-              <a:t>to quick </a:t>
-            </a:r>
-            <a:r>
-              <a:rPr lang="en-US" sz="1600" dirty="0"/>
-              <a:t>running code is… writing code that executes quickly, and wisely takes advantage of available resources.</a:t>
+              <a:t>The secret to quick running code is… writing code that executes quickly, and wisely takes advantage of available resources.</a:t>
             </a:r>
           </a:p>
         </p:txBody>

--- a/Caching & Performance in ColdFusion - ACF Summit 2019.pptx
+++ b/Caching & Performance in ColdFusion - ACF Summit 2019.pptx
@@ -19,10 +19,11 @@
     <p:sldId id="266" r:id="rId13"/>
     <p:sldId id="267" r:id="rId14"/>
     <p:sldId id="270" r:id="rId15"/>
-    <p:sldId id="268" r:id="rId16"/>
-    <p:sldId id="271" r:id="rId17"/>
-    <p:sldId id="272" r:id="rId18"/>
-    <p:sldId id="273" r:id="rId19"/>
+    <p:sldId id="274" r:id="rId16"/>
+    <p:sldId id="268" r:id="rId17"/>
+    <p:sldId id="271" r:id="rId18"/>
+    <p:sldId id="272" r:id="rId19"/>
+    <p:sldId id="273" r:id="rId20"/>
   </p:sldIdLst>
   <p:sldSz cx="12192000" cy="6858000"/>
   <p:notesSz cx="6858000" cy="9144000"/>
@@ -140,6 +141,7 @@
             <p14:sldId id="266"/>
             <p14:sldId id="267"/>
             <p14:sldId id="270"/>
+            <p14:sldId id="274"/>
             <p14:sldId id="268"/>
             <p14:sldId id="271"/>
             <p14:sldId id="272"/>
@@ -5815,12 +5817,8 @@
               <a:buChar char="•"/>
             </a:pPr>
             <a:r>
-              <a:rPr lang="en-US" b="1"/>
-              <a:t>Slides </a:t>
-            </a:r>
-            <a:r>
               <a:rPr lang="en-US" b="1" dirty="0"/>
-              <a:t>and code available at:</a:t>
+              <a:t>Slides and code available at:</a:t>
             </a:r>
             <a:br>
               <a:rPr lang="en-US" b="1" dirty="0"/>
@@ -6137,7 +6135,19 @@
                   <a:schemeClr val="accent1"/>
                 </a:solidFill>
               </a:rPr>
-              <a:t>filter() </a:t>
+              <a:t>filter()</a:t>
+            </a:r>
+            <a:r>
+              <a:rPr lang="en-US" sz="1800" dirty="0"/>
+              <a:t>,</a:t>
+            </a:r>
+            <a:r>
+              <a:rPr lang="en-US" sz="1800" dirty="0">
+                <a:solidFill>
+                  <a:schemeClr val="accent1"/>
+                </a:solidFill>
+              </a:rPr>
+              <a:t> each() </a:t>
             </a:r>
             <a:r>
               <a:rPr lang="en-US" sz="1800" dirty="0"/>
@@ -7402,6 +7412,177 @@
 <file path=ppt/slides/slide15.xml><?xml version="1.0" encoding="utf-8"?>
 <p:sld xmlns:a="http://schemas.openxmlformats.org/drawingml/2006/main" xmlns:r="http://schemas.openxmlformats.org/officeDocument/2006/relationships" xmlns:p="http://schemas.openxmlformats.org/presentationml/2006/main">
   <p:cSld>
+    <p:spTree>
+      <p:nvGrpSpPr>
+        <p:cNvPr id="1" name=""/>
+        <p:cNvGrpSpPr/>
+        <p:nvPr/>
+      </p:nvGrpSpPr>
+      <p:grpSpPr>
+        <a:xfrm>
+          <a:off x="0" y="0"/>
+          <a:ext cx="0" cy="0"/>
+          <a:chOff x="0" y="0"/>
+          <a:chExt cx="0" cy="0"/>
+        </a:xfrm>
+      </p:grpSpPr>
+      <p:sp>
+        <p:nvSpPr>
+          <p:cNvPr id="2" name="Title 1">
+            <a:extLst>
+              <a:ext uri="{FF2B5EF4-FFF2-40B4-BE49-F238E27FC236}">
+                <a16:creationId xmlns:a16="http://schemas.microsoft.com/office/drawing/2014/main" id="{7B04C09B-3639-4745-B189-9709C22F76A9}"/>
+              </a:ext>
+            </a:extLst>
+          </p:cNvPr>
+          <p:cNvSpPr>
+            <a:spLocks noGrp="1"/>
+          </p:cNvSpPr>
+          <p:nvPr>
+            <p:ph type="title"/>
+          </p:nvPr>
+        </p:nvSpPr>
+        <p:spPr/>
+        <p:txBody>
+          <a:bodyPr/>
+          <a:lstStyle/>
+          <a:p>
+            <a:r>
+              <a:rPr lang="en-US" dirty="0" err="1"/>
+              <a:t>CacheBox</a:t>
+            </a:r>
+            <a:endParaRPr lang="en-US" dirty="0"/>
+          </a:p>
+        </p:txBody>
+      </p:sp>
+      <p:sp>
+        <p:nvSpPr>
+          <p:cNvPr id="3" name="Content Placeholder 2">
+            <a:extLst>
+              <a:ext uri="{FF2B5EF4-FFF2-40B4-BE49-F238E27FC236}">
+                <a16:creationId xmlns:a16="http://schemas.microsoft.com/office/drawing/2014/main" id="{C35A6D83-F43D-4DAD-9B18-6D43673CB9AD}"/>
+              </a:ext>
+            </a:extLst>
+          </p:cNvPr>
+          <p:cNvSpPr>
+            <a:spLocks noGrp="1"/>
+          </p:cNvSpPr>
+          <p:nvPr>
+            <p:ph idx="1"/>
+          </p:nvPr>
+        </p:nvSpPr>
+        <p:spPr/>
+        <p:txBody>
+          <a:bodyPr/>
+          <a:lstStyle/>
+          <a:p>
+            <a:r>
+              <a:rPr lang="en-US" dirty="0" err="1"/>
+              <a:t>CacheBox</a:t>
+            </a:r>
+            <a:r>
+              <a:rPr lang="en-US" dirty="0"/>
+              <a:t> by </a:t>
+            </a:r>
+            <a:r>
+              <a:rPr lang="en-US" dirty="0" err="1"/>
+              <a:t>Ortus</a:t>
+            </a:r>
+            <a:r>
+              <a:rPr lang="en-US" dirty="0"/>
+              <a:t> provides multiple advanced features on top of the existing language:</a:t>
+            </a:r>
+            <a:br>
+              <a:rPr lang="en-US" dirty="0"/>
+            </a:br>
+            <a:endParaRPr lang="en-US" dirty="0"/>
+          </a:p>
+          <a:p>
+            <a:pPr lvl="1"/>
+            <a:r>
+              <a:rPr lang="en-US" dirty="0"/>
+              <a:t>Cache Aggregators –  Ability to aggregate multiple caching engines</a:t>
+            </a:r>
+            <a:br>
+              <a:rPr lang="en-US" dirty="0"/>
+            </a:br>
+            <a:endParaRPr lang="en-US" dirty="0"/>
+          </a:p>
+          <a:p>
+            <a:pPr lvl="1"/>
+            <a:r>
+              <a:rPr lang="en-US" dirty="0"/>
+              <a:t>Simple API – use a common set of functions across aggregate engines</a:t>
+            </a:r>
+            <a:br>
+              <a:rPr lang="en-US" dirty="0"/>
+            </a:br>
+            <a:endParaRPr lang="en-US" dirty="0"/>
+          </a:p>
+          <a:p>
+            <a:pPr lvl="1"/>
+            <a:r>
+              <a:rPr lang="en-US" dirty="0"/>
+              <a:t>Fully Configurable – convention and runtime configuration options</a:t>
+            </a:r>
+            <a:br>
+              <a:rPr lang="en-US" dirty="0"/>
+            </a:br>
+            <a:endParaRPr lang="en-US" dirty="0"/>
+          </a:p>
+          <a:p>
+            <a:pPr lvl="1"/>
+            <a:r>
+              <a:rPr lang="en-US" dirty="0"/>
+              <a:t>Cache Monitoring – Dashboard and commands panel </a:t>
+            </a:r>
+            <a:br>
+              <a:rPr lang="en-US" dirty="0"/>
+            </a:br>
+            <a:endParaRPr lang="en-US" dirty="0"/>
+          </a:p>
+          <a:p>
+            <a:pPr lvl="1"/>
+            <a:r>
+              <a:rPr lang="en-US" dirty="0"/>
+              <a:t>Use with or without </a:t>
+            </a:r>
+            <a:r>
+              <a:rPr lang="en-US" dirty="0" err="1"/>
+              <a:t>ColdBox</a:t>
+            </a:r>
+            <a:r>
+              <a:rPr lang="en-US" dirty="0"/>
+              <a:t> and other products in the *</a:t>
+            </a:r>
+            <a:r>
+              <a:rPr lang="en-US"/>
+              <a:t>Box ecosystem</a:t>
+            </a:r>
+            <a:endParaRPr lang="en-US" dirty="0"/>
+          </a:p>
+          <a:p>
+            <a:pPr lvl="1"/>
+            <a:endParaRPr lang="en-US" dirty="0"/>
+          </a:p>
+        </p:txBody>
+      </p:sp>
+    </p:spTree>
+    <p:extLst>
+      <p:ext uri="{BB962C8B-B14F-4D97-AF65-F5344CB8AC3E}">
+        <p14:creationId xmlns:p14="http://schemas.microsoft.com/office/powerpoint/2010/main" val="4139882893"/>
+      </p:ext>
+    </p:extLst>
+  </p:cSld>
+  <p:clrMapOvr>
+    <a:masterClrMapping/>
+  </p:clrMapOvr>
+</p:sld>
+</file>
+
+<file path=ppt/slides/slide16.xml><?xml version="1.0" encoding="utf-8"?>
+<p:sld xmlns:a="http://schemas.openxmlformats.org/drawingml/2006/main" xmlns:r="http://schemas.openxmlformats.org/officeDocument/2006/relationships" xmlns:p="http://schemas.openxmlformats.org/presentationml/2006/main">
+  <p:cSld>
     <p:bg>
       <p:bgPr>
         <a:solidFill>
@@ -7888,497 +8069,6 @@
 </p:sld>
 </file>
 
-<file path=ppt/slides/slide16.xml><?xml version="1.0" encoding="utf-8"?>
-<p:sld xmlns:a="http://schemas.openxmlformats.org/drawingml/2006/main" xmlns:r="http://schemas.openxmlformats.org/officeDocument/2006/relationships" xmlns:p="http://schemas.openxmlformats.org/presentationml/2006/main">
-  <p:cSld>
-    <p:spTree>
-      <p:nvGrpSpPr>
-        <p:cNvPr id="1" name=""/>
-        <p:cNvGrpSpPr/>
-        <p:nvPr/>
-      </p:nvGrpSpPr>
-      <p:grpSpPr>
-        <a:xfrm>
-          <a:off x="0" y="0"/>
-          <a:ext cx="0" cy="0"/>
-          <a:chOff x="0" y="0"/>
-          <a:chExt cx="0" cy="0"/>
-        </a:xfrm>
-      </p:grpSpPr>
-      <p:sp>
-        <p:nvSpPr>
-          <p:cNvPr id="2" name="Title 1">
-            <a:extLst>
-              <a:ext uri="{FF2B5EF4-FFF2-40B4-BE49-F238E27FC236}">
-                <a16:creationId xmlns:a16="http://schemas.microsoft.com/office/drawing/2014/main" id="{FFA544C9-C876-4828-BBFD-9269000A8EB2}"/>
-              </a:ext>
-            </a:extLst>
-          </p:cNvPr>
-          <p:cNvSpPr>
-            <a:spLocks noGrp="1"/>
-          </p:cNvSpPr>
-          <p:nvPr>
-            <p:ph type="title"/>
-          </p:nvPr>
-        </p:nvSpPr>
-        <p:spPr/>
-        <p:txBody>
-          <a:bodyPr/>
-          <a:lstStyle/>
-          <a:p>
-            <a:r>
-              <a:rPr lang="en-US" dirty="0" err="1"/>
-              <a:t>cacheGet</a:t>
-            </a:r>
-            <a:r>
-              <a:rPr lang="en-US" dirty="0"/>
-              <a:t> and </a:t>
-            </a:r>
-            <a:r>
-              <a:rPr lang="en-US" dirty="0" err="1"/>
-              <a:t>cacheput</a:t>
-            </a:r>
-            <a:endParaRPr lang="en-US" dirty="0"/>
-          </a:p>
-        </p:txBody>
-      </p:sp>
-      <p:sp>
-        <p:nvSpPr>
-          <p:cNvPr id="3" name="Content Placeholder 2">
-            <a:extLst>
-              <a:ext uri="{FF2B5EF4-FFF2-40B4-BE49-F238E27FC236}">
-                <a16:creationId xmlns:a16="http://schemas.microsoft.com/office/drawing/2014/main" id="{CDED8E2B-0473-42B2-9773-24D0699F9EBB}"/>
-              </a:ext>
-            </a:extLst>
-          </p:cNvPr>
-          <p:cNvSpPr>
-            <a:spLocks noGrp="1"/>
-          </p:cNvSpPr>
-          <p:nvPr>
-            <p:ph idx="1"/>
-          </p:nvPr>
-        </p:nvSpPr>
-        <p:spPr>
-          <a:xfrm>
-            <a:off x="214605" y="1950099"/>
-            <a:ext cx="11579290" cy="4646644"/>
-          </a:xfrm>
-        </p:spPr>
-        <p:txBody>
-          <a:bodyPr>
-            <a:normAutofit/>
-          </a:bodyPr>
-          <a:lstStyle/>
-          <a:p>
-            <a:pPr marL="0" indent="0">
-              <a:buNone/>
-            </a:pPr>
-            <a:r>
-              <a:rPr lang="en-US" sz="2000" b="1" dirty="0">
-                <a:latin typeface="Courier New" panose="02070309020205020404" pitchFamily="49" charset="0"/>
-                <a:cs typeface="Courier New" panose="02070309020205020404" pitchFamily="49" charset="0"/>
-              </a:rPr>
-              <a:t>// get your cached data</a:t>
-            </a:r>
-          </a:p>
-          <a:p>
-            <a:pPr marL="0" indent="0">
-              <a:buNone/>
-            </a:pPr>
-            <a:r>
-              <a:rPr lang="en-US" sz="2000" b="1" dirty="0" err="1">
-                <a:solidFill>
-                  <a:srgbClr val="7030A0"/>
-                </a:solidFill>
-                <a:latin typeface="Courier New" panose="02070309020205020404" pitchFamily="49" charset="0"/>
-                <a:cs typeface="Courier New" panose="02070309020205020404" pitchFamily="49" charset="0"/>
-              </a:rPr>
-              <a:t>rc.myData</a:t>
-            </a:r>
-            <a:r>
-              <a:rPr lang="en-US" sz="2000" b="1" dirty="0">
-                <a:solidFill>
-                  <a:srgbClr val="7030A0"/>
-                </a:solidFill>
-                <a:latin typeface="Courier New" panose="02070309020205020404" pitchFamily="49" charset="0"/>
-                <a:cs typeface="Courier New" panose="02070309020205020404" pitchFamily="49" charset="0"/>
-              </a:rPr>
-              <a:t> </a:t>
-            </a:r>
-            <a:r>
-              <a:rPr lang="en-US" sz="2000" b="1" dirty="0">
-                <a:latin typeface="Courier New" panose="02070309020205020404" pitchFamily="49" charset="0"/>
-                <a:cs typeface="Courier New" panose="02070309020205020404" pitchFamily="49" charset="0"/>
-              </a:rPr>
-              <a:t>= </a:t>
-            </a:r>
-            <a:r>
-              <a:rPr lang="en-US" sz="2000" b="1" dirty="0" err="1">
-                <a:solidFill>
-                  <a:schemeClr val="accent1"/>
-                </a:solidFill>
-                <a:latin typeface="Courier New" panose="02070309020205020404" pitchFamily="49" charset="0"/>
-                <a:cs typeface="Courier New" panose="02070309020205020404" pitchFamily="49" charset="0"/>
-              </a:rPr>
-              <a:t>cacheGet</a:t>
-            </a:r>
-            <a:r>
-              <a:rPr lang="en-US" sz="2000" b="1" dirty="0">
-                <a:latin typeface="Courier New" panose="02070309020205020404" pitchFamily="49" charset="0"/>
-                <a:cs typeface="Courier New" panose="02070309020205020404" pitchFamily="49" charset="0"/>
-              </a:rPr>
-              <a:t>( '</a:t>
-            </a:r>
-            <a:r>
-              <a:rPr lang="en-US" sz="2000" b="1" dirty="0" err="1">
-                <a:solidFill>
-                  <a:srgbClr val="002060"/>
-                </a:solidFill>
-                <a:latin typeface="Courier New" panose="02070309020205020404" pitchFamily="49" charset="0"/>
-                <a:cs typeface="Courier New" panose="02070309020205020404" pitchFamily="49" charset="0"/>
-              </a:rPr>
-              <a:t>myCachedData</a:t>
-            </a:r>
-            <a:r>
-              <a:rPr lang="en-US" sz="2000" b="1" dirty="0">
-                <a:latin typeface="Courier New" panose="02070309020205020404" pitchFamily="49" charset="0"/>
-                <a:cs typeface="Courier New" panose="02070309020205020404" pitchFamily="49" charset="0"/>
-              </a:rPr>
-              <a:t>' );</a:t>
-            </a:r>
-            <a:br>
-              <a:rPr lang="en-US" sz="2000" b="1" dirty="0">
-                <a:latin typeface="Courier New" panose="02070309020205020404" pitchFamily="49" charset="0"/>
-                <a:cs typeface="Courier New" panose="02070309020205020404" pitchFamily="49" charset="0"/>
-              </a:rPr>
-            </a:br>
-            <a:endParaRPr lang="en-US" sz="2000" b="1" dirty="0">
-              <a:latin typeface="Courier New" panose="02070309020205020404" pitchFamily="49" charset="0"/>
-              <a:cs typeface="Courier New" panose="02070309020205020404" pitchFamily="49" charset="0"/>
-            </a:endParaRPr>
-          </a:p>
-          <a:p>
-            <a:pPr marL="0" indent="0">
-              <a:buNone/>
-            </a:pPr>
-            <a:r>
-              <a:rPr lang="en-US" sz="2000" b="1" dirty="0">
-                <a:latin typeface="Courier New" panose="02070309020205020404" pitchFamily="49" charset="0"/>
-                <a:cs typeface="Courier New" panose="02070309020205020404" pitchFamily="49" charset="0"/>
-              </a:rPr>
-              <a:t>// check if your cached data still exists, or if we’re forcing a reload</a:t>
-            </a:r>
-            <a:br>
-              <a:rPr lang="en-US" sz="2000" b="1" dirty="0">
-                <a:latin typeface="Courier New" panose="02070309020205020404" pitchFamily="49" charset="0"/>
-                <a:cs typeface="Courier New" panose="02070309020205020404" pitchFamily="49" charset="0"/>
-              </a:rPr>
-            </a:br>
-            <a:r>
-              <a:rPr lang="en-US" sz="2000" b="1" dirty="0">
-                <a:latin typeface="Courier New" panose="02070309020205020404" pitchFamily="49" charset="0"/>
-                <a:cs typeface="Courier New" panose="02070309020205020404" pitchFamily="49" charset="0"/>
-              </a:rPr>
-              <a:t>if( </a:t>
-            </a:r>
-            <a:r>
-              <a:rPr lang="en-US" sz="2000" b="1" dirty="0" err="1">
-                <a:solidFill>
-                  <a:schemeClr val="accent1"/>
-                </a:solidFill>
-                <a:latin typeface="Courier New" panose="02070309020205020404" pitchFamily="49" charset="0"/>
-                <a:cs typeface="Courier New" panose="02070309020205020404" pitchFamily="49" charset="0"/>
-              </a:rPr>
-              <a:t>isNull</a:t>
-            </a:r>
-            <a:r>
-              <a:rPr lang="en-US" sz="2000" b="1" dirty="0">
-                <a:latin typeface="Courier New" panose="02070309020205020404" pitchFamily="49" charset="0"/>
-                <a:cs typeface="Courier New" panose="02070309020205020404" pitchFamily="49" charset="0"/>
-              </a:rPr>
-              <a:t>( </a:t>
-            </a:r>
-            <a:r>
-              <a:rPr lang="en-US" sz="2000" b="1" dirty="0" err="1">
-                <a:solidFill>
-                  <a:srgbClr val="7030A0"/>
-                </a:solidFill>
-                <a:latin typeface="Courier New" panose="02070309020205020404" pitchFamily="49" charset="0"/>
-                <a:cs typeface="Courier New" panose="02070309020205020404" pitchFamily="49" charset="0"/>
-              </a:rPr>
-              <a:t>rc.myData</a:t>
-            </a:r>
-            <a:r>
-              <a:rPr lang="en-US" sz="2000" b="1" dirty="0">
-                <a:solidFill>
-                  <a:srgbClr val="7030A0"/>
-                </a:solidFill>
-                <a:latin typeface="Courier New" panose="02070309020205020404" pitchFamily="49" charset="0"/>
-                <a:cs typeface="Courier New" panose="02070309020205020404" pitchFamily="49" charset="0"/>
-              </a:rPr>
-              <a:t> </a:t>
-            </a:r>
-            <a:r>
-              <a:rPr lang="en-US" sz="2000" b="1" dirty="0">
-                <a:latin typeface="Courier New" panose="02070309020205020404" pitchFamily="49" charset="0"/>
-                <a:cs typeface="Courier New" panose="02070309020205020404" pitchFamily="49" charset="0"/>
-              </a:rPr>
-              <a:t>) || </a:t>
-            </a:r>
-            <a:r>
-              <a:rPr lang="en-US" sz="2000" b="1" dirty="0" err="1">
-                <a:latin typeface="Courier New" panose="02070309020205020404" pitchFamily="49" charset="0"/>
-                <a:cs typeface="Courier New" panose="02070309020205020404" pitchFamily="49" charset="0"/>
-              </a:rPr>
-              <a:t>rc.clearCache</a:t>
-            </a:r>
-            <a:r>
-              <a:rPr lang="en-US" sz="2000" b="1" dirty="0">
-                <a:latin typeface="Courier New" panose="02070309020205020404" pitchFamily="49" charset="0"/>
-                <a:cs typeface="Courier New" panose="02070309020205020404" pitchFamily="49" charset="0"/>
-              </a:rPr>
-              <a:t> = true ) {</a:t>
-            </a:r>
-            <a:br>
-              <a:rPr lang="en-US" sz="2000" b="1" dirty="0">
-                <a:latin typeface="Courier New" panose="02070309020205020404" pitchFamily="49" charset="0"/>
-                <a:cs typeface="Courier New" panose="02070309020205020404" pitchFamily="49" charset="0"/>
-              </a:rPr>
-            </a:br>
-            <a:endParaRPr lang="en-US" sz="2000" b="1" dirty="0">
-              <a:latin typeface="Courier New" panose="02070309020205020404" pitchFamily="49" charset="0"/>
-              <a:cs typeface="Courier New" panose="02070309020205020404" pitchFamily="49" charset="0"/>
-            </a:endParaRPr>
-          </a:p>
-          <a:p>
-            <a:pPr marL="0" indent="0">
-              <a:buNone/>
-            </a:pPr>
-            <a:r>
-              <a:rPr lang="en-US" sz="2000" b="1" dirty="0">
-                <a:latin typeface="Courier New" panose="02070309020205020404" pitchFamily="49" charset="0"/>
-                <a:cs typeface="Courier New" panose="02070309020205020404" pitchFamily="49" charset="0"/>
-              </a:rPr>
-              <a:t>   // it doesn’t, or we are, get the data into </a:t>
-            </a:r>
-            <a:r>
-              <a:rPr lang="en-US" sz="2000" b="1" dirty="0" err="1">
-                <a:latin typeface="Courier New" panose="02070309020205020404" pitchFamily="49" charset="0"/>
-                <a:cs typeface="Courier New" panose="02070309020205020404" pitchFamily="49" charset="0"/>
-              </a:rPr>
-              <a:t>rc.myData</a:t>
-            </a:r>
-            <a:br>
-              <a:rPr lang="en-US" sz="2000" b="1" dirty="0">
-                <a:latin typeface="Courier New" panose="02070309020205020404" pitchFamily="49" charset="0"/>
-                <a:cs typeface="Courier New" panose="02070309020205020404" pitchFamily="49" charset="0"/>
-              </a:rPr>
-            </a:br>
-            <a:r>
-              <a:rPr lang="en-US" sz="2000" b="1" dirty="0">
-                <a:latin typeface="Courier New" panose="02070309020205020404" pitchFamily="49" charset="0"/>
-                <a:cs typeface="Courier New" panose="02070309020205020404" pitchFamily="49" charset="0"/>
-              </a:rPr>
-              <a:t>   </a:t>
-            </a:r>
-            <a:r>
-              <a:rPr lang="en-US" sz="2000" b="1" dirty="0" err="1">
-                <a:solidFill>
-                  <a:srgbClr val="7030A0"/>
-                </a:solidFill>
-                <a:latin typeface="Courier New" panose="02070309020205020404" pitchFamily="49" charset="0"/>
-                <a:cs typeface="Courier New" panose="02070309020205020404" pitchFamily="49" charset="0"/>
-              </a:rPr>
-              <a:t>rc.myData</a:t>
-            </a:r>
-            <a:r>
-              <a:rPr lang="en-US" sz="2000" b="1" dirty="0">
-                <a:solidFill>
-                  <a:srgbClr val="7030A0"/>
-                </a:solidFill>
-                <a:latin typeface="Courier New" panose="02070309020205020404" pitchFamily="49" charset="0"/>
-                <a:cs typeface="Courier New" panose="02070309020205020404" pitchFamily="49" charset="0"/>
-              </a:rPr>
-              <a:t> </a:t>
-            </a:r>
-            <a:r>
-              <a:rPr lang="en-US" sz="2000" b="1" dirty="0">
-                <a:latin typeface="Courier New" panose="02070309020205020404" pitchFamily="49" charset="0"/>
-                <a:cs typeface="Courier New" panose="02070309020205020404" pitchFamily="49" charset="0"/>
-              </a:rPr>
-              <a:t>= </a:t>
-            </a:r>
-            <a:r>
-              <a:rPr lang="en-US" sz="2000" b="1" dirty="0" err="1">
-                <a:latin typeface="Courier New" panose="02070309020205020404" pitchFamily="49" charset="0"/>
-                <a:cs typeface="Courier New" panose="02070309020205020404" pitchFamily="49" charset="0"/>
-              </a:rPr>
-              <a:t>someComplexProcess</a:t>
-            </a:r>
-            <a:r>
-              <a:rPr lang="en-US" sz="2000" b="1" dirty="0">
-                <a:latin typeface="Courier New" panose="02070309020205020404" pitchFamily="49" charset="0"/>
-                <a:cs typeface="Courier New" panose="02070309020205020404" pitchFamily="49" charset="0"/>
-              </a:rPr>
-              <a:t>();</a:t>
-            </a:r>
-          </a:p>
-          <a:p>
-            <a:pPr marL="0" indent="0">
-              <a:buNone/>
-            </a:pPr>
-            <a:r>
-              <a:rPr lang="en-US" sz="2000" b="1" dirty="0">
-                <a:latin typeface="Courier New" panose="02070309020205020404" pitchFamily="49" charset="0"/>
-                <a:cs typeface="Courier New" panose="02070309020205020404" pitchFamily="49" charset="0"/>
-              </a:rPr>
-              <a:t>   // put it in the cache for an hour</a:t>
-            </a:r>
-            <a:br>
-              <a:rPr lang="en-US" sz="2000" b="1" dirty="0">
-                <a:latin typeface="Courier New" panose="02070309020205020404" pitchFamily="49" charset="0"/>
-                <a:cs typeface="Courier New" panose="02070309020205020404" pitchFamily="49" charset="0"/>
-              </a:rPr>
-            </a:br>
-            <a:r>
-              <a:rPr lang="en-US" sz="2000" b="1" dirty="0">
-                <a:latin typeface="Courier New" panose="02070309020205020404" pitchFamily="49" charset="0"/>
-                <a:cs typeface="Courier New" panose="02070309020205020404" pitchFamily="49" charset="0"/>
-              </a:rPr>
-              <a:t>   </a:t>
-            </a:r>
-            <a:r>
-              <a:rPr lang="en-US" sz="2000" b="1" dirty="0" err="1">
-                <a:solidFill>
-                  <a:schemeClr val="accent1"/>
-                </a:solidFill>
-                <a:latin typeface="Courier New" panose="02070309020205020404" pitchFamily="49" charset="0"/>
-                <a:cs typeface="Courier New" panose="02070309020205020404" pitchFamily="49" charset="0"/>
-              </a:rPr>
-              <a:t>cachePut</a:t>
-            </a:r>
-            <a:r>
-              <a:rPr lang="en-US" sz="2000" b="1" dirty="0">
-                <a:latin typeface="Courier New" panose="02070309020205020404" pitchFamily="49" charset="0"/>
-                <a:cs typeface="Courier New" panose="02070309020205020404" pitchFamily="49" charset="0"/>
-              </a:rPr>
-              <a:t>( '</a:t>
-            </a:r>
-            <a:r>
-              <a:rPr lang="en-US" sz="2000" b="1" dirty="0" err="1">
-                <a:solidFill>
-                  <a:srgbClr val="002060"/>
-                </a:solidFill>
-                <a:latin typeface="Courier New" panose="02070309020205020404" pitchFamily="49" charset="0"/>
-                <a:cs typeface="Courier New" panose="02070309020205020404" pitchFamily="49" charset="0"/>
-              </a:rPr>
-              <a:t>myCachedData</a:t>
-            </a:r>
-            <a:r>
-              <a:rPr lang="en-US" sz="2000" b="1" dirty="0">
-                <a:latin typeface="Courier New" panose="02070309020205020404" pitchFamily="49" charset="0"/>
-                <a:cs typeface="Courier New" panose="02070309020205020404" pitchFamily="49" charset="0"/>
-              </a:rPr>
-              <a:t>', </a:t>
-            </a:r>
-            <a:r>
-              <a:rPr lang="en-US" sz="2000" b="1" dirty="0" err="1">
-                <a:solidFill>
-                  <a:srgbClr val="7030A0"/>
-                </a:solidFill>
-                <a:latin typeface="Courier New" panose="02070309020205020404" pitchFamily="49" charset="0"/>
-                <a:cs typeface="Courier New" panose="02070309020205020404" pitchFamily="49" charset="0"/>
-              </a:rPr>
-              <a:t>rc.myData</a:t>
-            </a:r>
-            <a:r>
-              <a:rPr lang="en-US" sz="2000" b="1" dirty="0">
-                <a:latin typeface="Courier New" panose="02070309020205020404" pitchFamily="49" charset="0"/>
-                <a:cs typeface="Courier New" panose="02070309020205020404" pitchFamily="49" charset="0"/>
-              </a:rPr>
-              <a:t>, </a:t>
-            </a:r>
-            <a:r>
-              <a:rPr lang="en-US" sz="2000" b="1" dirty="0" err="1">
-                <a:latin typeface="Courier New" panose="02070309020205020404" pitchFamily="49" charset="0"/>
-                <a:cs typeface="Courier New" panose="02070309020205020404" pitchFamily="49" charset="0"/>
-              </a:rPr>
-              <a:t>createTimeSpan</a:t>
-            </a:r>
-            <a:r>
-              <a:rPr lang="en-US" sz="2000" b="1" dirty="0">
-                <a:latin typeface="Courier New" panose="02070309020205020404" pitchFamily="49" charset="0"/>
-                <a:cs typeface="Courier New" panose="02070309020205020404" pitchFamily="49" charset="0"/>
-              </a:rPr>
-              <a:t>( 0, 1, 0, 0 ) );</a:t>
-            </a:r>
-          </a:p>
-          <a:p>
-            <a:pPr marL="0" indent="0">
-              <a:buNone/>
-            </a:pPr>
-            <a:br>
-              <a:rPr lang="en-US" sz="2000" b="1" dirty="0">
-                <a:latin typeface="Courier New" panose="02070309020205020404" pitchFamily="49" charset="0"/>
-                <a:cs typeface="Courier New" panose="02070309020205020404" pitchFamily="49" charset="0"/>
-              </a:rPr>
-            </a:br>
-            <a:r>
-              <a:rPr lang="en-US" sz="2000" b="1" dirty="0">
-                <a:latin typeface="Courier New" panose="02070309020205020404" pitchFamily="49" charset="0"/>
-                <a:cs typeface="Courier New" panose="02070309020205020404" pitchFamily="49" charset="0"/>
-              </a:rPr>
-              <a:t>}</a:t>
-            </a:r>
-            <a:br>
-              <a:rPr lang="en-US" sz="2000" b="1" dirty="0">
-                <a:latin typeface="Courier New" panose="02070309020205020404" pitchFamily="49" charset="0"/>
-                <a:cs typeface="Courier New" panose="02070309020205020404" pitchFamily="49" charset="0"/>
-              </a:rPr>
-            </a:br>
-            <a:br>
-              <a:rPr lang="en-US" sz="2000" b="1" dirty="0">
-                <a:latin typeface="Courier New" panose="02070309020205020404" pitchFamily="49" charset="0"/>
-                <a:cs typeface="Courier New" panose="02070309020205020404" pitchFamily="49" charset="0"/>
-              </a:rPr>
-            </a:br>
-            <a:r>
-              <a:rPr lang="en-US" sz="2000" b="1" dirty="0">
-                <a:latin typeface="Courier New" panose="02070309020205020404" pitchFamily="49" charset="0"/>
-                <a:cs typeface="Courier New" panose="02070309020205020404" pitchFamily="49" charset="0"/>
-              </a:rPr>
-              <a:t>// do something with </a:t>
-            </a:r>
-            <a:r>
-              <a:rPr lang="en-US" sz="2000" b="1" dirty="0" err="1">
-                <a:solidFill>
-                  <a:srgbClr val="7030A0"/>
-                </a:solidFill>
-                <a:latin typeface="Courier New" panose="02070309020205020404" pitchFamily="49" charset="0"/>
-                <a:cs typeface="Courier New" panose="02070309020205020404" pitchFamily="49" charset="0"/>
-              </a:rPr>
-              <a:t>rc.myData</a:t>
-            </a:r>
-            <a:endParaRPr lang="en-US" sz="2000" b="1" dirty="0">
-              <a:latin typeface="Courier New" panose="02070309020205020404" pitchFamily="49" charset="0"/>
-              <a:cs typeface="Courier New" panose="02070309020205020404" pitchFamily="49" charset="0"/>
-            </a:endParaRPr>
-          </a:p>
-        </p:txBody>
-      </p:sp>
-    </p:spTree>
-    <p:extLst>
-      <p:ext uri="{BB962C8B-B14F-4D97-AF65-F5344CB8AC3E}">
-        <p14:creationId xmlns:p14="http://schemas.microsoft.com/office/powerpoint/2010/main" val="1213341132"/>
-      </p:ext>
-    </p:extLst>
-  </p:cSld>
-  <p:clrMapOvr>
-    <a:masterClrMapping/>
-  </p:clrMapOvr>
-</p:sld>
-</file>
-
 <file path=ppt/slides/slide17.xml><?xml version="1.0" encoding="utf-8"?>
 <p:sld xmlns:a="http://schemas.openxmlformats.org/drawingml/2006/main" xmlns:r="http://schemas.openxmlformats.org/officeDocument/2006/relationships" xmlns:p="http://schemas.openxmlformats.org/presentationml/2006/main">
   <p:cSld>
@@ -8419,6 +8109,497 @@
           <a:p>
             <a:r>
               <a:rPr lang="en-US" dirty="0" err="1"/>
+              <a:t>cacheGet</a:t>
+            </a:r>
+            <a:r>
+              <a:rPr lang="en-US" dirty="0"/>
+              <a:t> and </a:t>
+            </a:r>
+            <a:r>
+              <a:rPr lang="en-US" dirty="0" err="1"/>
+              <a:t>cacheput</a:t>
+            </a:r>
+            <a:endParaRPr lang="en-US" dirty="0"/>
+          </a:p>
+        </p:txBody>
+      </p:sp>
+      <p:sp>
+        <p:nvSpPr>
+          <p:cNvPr id="3" name="Content Placeholder 2">
+            <a:extLst>
+              <a:ext uri="{FF2B5EF4-FFF2-40B4-BE49-F238E27FC236}">
+                <a16:creationId xmlns:a16="http://schemas.microsoft.com/office/drawing/2014/main" id="{CDED8E2B-0473-42B2-9773-24D0699F9EBB}"/>
+              </a:ext>
+            </a:extLst>
+          </p:cNvPr>
+          <p:cNvSpPr>
+            <a:spLocks noGrp="1"/>
+          </p:cNvSpPr>
+          <p:nvPr>
+            <p:ph idx="1"/>
+          </p:nvPr>
+        </p:nvSpPr>
+        <p:spPr>
+          <a:xfrm>
+            <a:off x="214605" y="1950099"/>
+            <a:ext cx="11579290" cy="4646644"/>
+          </a:xfrm>
+        </p:spPr>
+        <p:txBody>
+          <a:bodyPr>
+            <a:normAutofit/>
+          </a:bodyPr>
+          <a:lstStyle/>
+          <a:p>
+            <a:pPr marL="0" indent="0">
+              <a:buNone/>
+            </a:pPr>
+            <a:r>
+              <a:rPr lang="en-US" sz="2000" b="1" dirty="0">
+                <a:latin typeface="Courier New" panose="02070309020205020404" pitchFamily="49" charset="0"/>
+                <a:cs typeface="Courier New" panose="02070309020205020404" pitchFamily="49" charset="0"/>
+              </a:rPr>
+              <a:t>// get your cached data</a:t>
+            </a:r>
+          </a:p>
+          <a:p>
+            <a:pPr marL="0" indent="0">
+              <a:buNone/>
+            </a:pPr>
+            <a:r>
+              <a:rPr lang="en-US" sz="2000" b="1" dirty="0" err="1">
+                <a:solidFill>
+                  <a:srgbClr val="7030A0"/>
+                </a:solidFill>
+                <a:latin typeface="Courier New" panose="02070309020205020404" pitchFamily="49" charset="0"/>
+                <a:cs typeface="Courier New" panose="02070309020205020404" pitchFamily="49" charset="0"/>
+              </a:rPr>
+              <a:t>rc.myData</a:t>
+            </a:r>
+            <a:r>
+              <a:rPr lang="en-US" sz="2000" b="1" dirty="0">
+                <a:solidFill>
+                  <a:srgbClr val="7030A0"/>
+                </a:solidFill>
+                <a:latin typeface="Courier New" panose="02070309020205020404" pitchFamily="49" charset="0"/>
+                <a:cs typeface="Courier New" panose="02070309020205020404" pitchFamily="49" charset="0"/>
+              </a:rPr>
+              <a:t> </a:t>
+            </a:r>
+            <a:r>
+              <a:rPr lang="en-US" sz="2000" b="1" dirty="0">
+                <a:latin typeface="Courier New" panose="02070309020205020404" pitchFamily="49" charset="0"/>
+                <a:cs typeface="Courier New" panose="02070309020205020404" pitchFamily="49" charset="0"/>
+              </a:rPr>
+              <a:t>= </a:t>
+            </a:r>
+            <a:r>
+              <a:rPr lang="en-US" sz="2000" b="1" dirty="0" err="1">
+                <a:solidFill>
+                  <a:schemeClr val="accent1"/>
+                </a:solidFill>
+                <a:latin typeface="Courier New" panose="02070309020205020404" pitchFamily="49" charset="0"/>
+                <a:cs typeface="Courier New" panose="02070309020205020404" pitchFamily="49" charset="0"/>
+              </a:rPr>
+              <a:t>cacheGet</a:t>
+            </a:r>
+            <a:r>
+              <a:rPr lang="en-US" sz="2000" b="1" dirty="0">
+                <a:latin typeface="Courier New" panose="02070309020205020404" pitchFamily="49" charset="0"/>
+                <a:cs typeface="Courier New" panose="02070309020205020404" pitchFamily="49" charset="0"/>
+              </a:rPr>
+              <a:t>( '</a:t>
+            </a:r>
+            <a:r>
+              <a:rPr lang="en-US" sz="2000" b="1" dirty="0" err="1">
+                <a:solidFill>
+                  <a:srgbClr val="002060"/>
+                </a:solidFill>
+                <a:latin typeface="Courier New" panose="02070309020205020404" pitchFamily="49" charset="0"/>
+                <a:cs typeface="Courier New" panose="02070309020205020404" pitchFamily="49" charset="0"/>
+              </a:rPr>
+              <a:t>myCachedData</a:t>
+            </a:r>
+            <a:r>
+              <a:rPr lang="en-US" sz="2000" b="1" dirty="0">
+                <a:latin typeface="Courier New" panose="02070309020205020404" pitchFamily="49" charset="0"/>
+                <a:cs typeface="Courier New" panose="02070309020205020404" pitchFamily="49" charset="0"/>
+              </a:rPr>
+              <a:t>' );</a:t>
+            </a:r>
+            <a:br>
+              <a:rPr lang="en-US" sz="2000" b="1" dirty="0">
+                <a:latin typeface="Courier New" panose="02070309020205020404" pitchFamily="49" charset="0"/>
+                <a:cs typeface="Courier New" panose="02070309020205020404" pitchFamily="49" charset="0"/>
+              </a:rPr>
+            </a:br>
+            <a:endParaRPr lang="en-US" sz="2000" b="1" dirty="0">
+              <a:latin typeface="Courier New" panose="02070309020205020404" pitchFamily="49" charset="0"/>
+              <a:cs typeface="Courier New" panose="02070309020205020404" pitchFamily="49" charset="0"/>
+            </a:endParaRPr>
+          </a:p>
+          <a:p>
+            <a:pPr marL="0" indent="0">
+              <a:buNone/>
+            </a:pPr>
+            <a:r>
+              <a:rPr lang="en-US" sz="2000" b="1" dirty="0">
+                <a:latin typeface="Courier New" panose="02070309020205020404" pitchFamily="49" charset="0"/>
+                <a:cs typeface="Courier New" panose="02070309020205020404" pitchFamily="49" charset="0"/>
+              </a:rPr>
+              <a:t>// check if your cached data still exists, or if we’re forcing a reload</a:t>
+            </a:r>
+            <a:br>
+              <a:rPr lang="en-US" sz="2000" b="1" dirty="0">
+                <a:latin typeface="Courier New" panose="02070309020205020404" pitchFamily="49" charset="0"/>
+                <a:cs typeface="Courier New" panose="02070309020205020404" pitchFamily="49" charset="0"/>
+              </a:rPr>
+            </a:br>
+            <a:r>
+              <a:rPr lang="en-US" sz="2000" b="1" dirty="0">
+                <a:latin typeface="Courier New" panose="02070309020205020404" pitchFamily="49" charset="0"/>
+                <a:cs typeface="Courier New" panose="02070309020205020404" pitchFamily="49" charset="0"/>
+              </a:rPr>
+              <a:t>if( </a:t>
+            </a:r>
+            <a:r>
+              <a:rPr lang="en-US" sz="2000" b="1" dirty="0" err="1">
+                <a:solidFill>
+                  <a:schemeClr val="accent1"/>
+                </a:solidFill>
+                <a:latin typeface="Courier New" panose="02070309020205020404" pitchFamily="49" charset="0"/>
+                <a:cs typeface="Courier New" panose="02070309020205020404" pitchFamily="49" charset="0"/>
+              </a:rPr>
+              <a:t>isNull</a:t>
+            </a:r>
+            <a:r>
+              <a:rPr lang="en-US" sz="2000" b="1" dirty="0">
+                <a:latin typeface="Courier New" panose="02070309020205020404" pitchFamily="49" charset="0"/>
+                <a:cs typeface="Courier New" panose="02070309020205020404" pitchFamily="49" charset="0"/>
+              </a:rPr>
+              <a:t>( </a:t>
+            </a:r>
+            <a:r>
+              <a:rPr lang="en-US" sz="2000" b="1" dirty="0" err="1">
+                <a:solidFill>
+                  <a:srgbClr val="7030A0"/>
+                </a:solidFill>
+                <a:latin typeface="Courier New" panose="02070309020205020404" pitchFamily="49" charset="0"/>
+                <a:cs typeface="Courier New" panose="02070309020205020404" pitchFamily="49" charset="0"/>
+              </a:rPr>
+              <a:t>rc.myData</a:t>
+            </a:r>
+            <a:r>
+              <a:rPr lang="en-US" sz="2000" b="1" dirty="0">
+                <a:solidFill>
+                  <a:srgbClr val="7030A0"/>
+                </a:solidFill>
+                <a:latin typeface="Courier New" panose="02070309020205020404" pitchFamily="49" charset="0"/>
+                <a:cs typeface="Courier New" panose="02070309020205020404" pitchFamily="49" charset="0"/>
+              </a:rPr>
+              <a:t> </a:t>
+            </a:r>
+            <a:r>
+              <a:rPr lang="en-US" sz="2000" b="1" dirty="0">
+                <a:latin typeface="Courier New" panose="02070309020205020404" pitchFamily="49" charset="0"/>
+                <a:cs typeface="Courier New" panose="02070309020205020404" pitchFamily="49" charset="0"/>
+              </a:rPr>
+              <a:t>) || </a:t>
+            </a:r>
+            <a:r>
+              <a:rPr lang="en-US" sz="2000" b="1" dirty="0" err="1">
+                <a:latin typeface="Courier New" panose="02070309020205020404" pitchFamily="49" charset="0"/>
+                <a:cs typeface="Courier New" panose="02070309020205020404" pitchFamily="49" charset="0"/>
+              </a:rPr>
+              <a:t>rc.clearCache</a:t>
+            </a:r>
+            <a:r>
+              <a:rPr lang="en-US" sz="2000" b="1" dirty="0">
+                <a:latin typeface="Courier New" panose="02070309020205020404" pitchFamily="49" charset="0"/>
+                <a:cs typeface="Courier New" panose="02070309020205020404" pitchFamily="49" charset="0"/>
+              </a:rPr>
+              <a:t> = true ) {</a:t>
+            </a:r>
+            <a:br>
+              <a:rPr lang="en-US" sz="2000" b="1" dirty="0">
+                <a:latin typeface="Courier New" panose="02070309020205020404" pitchFamily="49" charset="0"/>
+                <a:cs typeface="Courier New" panose="02070309020205020404" pitchFamily="49" charset="0"/>
+              </a:rPr>
+            </a:br>
+            <a:endParaRPr lang="en-US" sz="2000" b="1" dirty="0">
+              <a:latin typeface="Courier New" panose="02070309020205020404" pitchFamily="49" charset="0"/>
+              <a:cs typeface="Courier New" panose="02070309020205020404" pitchFamily="49" charset="0"/>
+            </a:endParaRPr>
+          </a:p>
+          <a:p>
+            <a:pPr marL="0" indent="0">
+              <a:buNone/>
+            </a:pPr>
+            <a:r>
+              <a:rPr lang="en-US" sz="2000" b="1" dirty="0">
+                <a:latin typeface="Courier New" panose="02070309020205020404" pitchFamily="49" charset="0"/>
+                <a:cs typeface="Courier New" panose="02070309020205020404" pitchFamily="49" charset="0"/>
+              </a:rPr>
+              <a:t>   // it doesn’t, or we are, get the data into </a:t>
+            </a:r>
+            <a:r>
+              <a:rPr lang="en-US" sz="2000" b="1" dirty="0" err="1">
+                <a:latin typeface="Courier New" panose="02070309020205020404" pitchFamily="49" charset="0"/>
+                <a:cs typeface="Courier New" panose="02070309020205020404" pitchFamily="49" charset="0"/>
+              </a:rPr>
+              <a:t>rc.myData</a:t>
+            </a:r>
+            <a:br>
+              <a:rPr lang="en-US" sz="2000" b="1" dirty="0">
+                <a:latin typeface="Courier New" panose="02070309020205020404" pitchFamily="49" charset="0"/>
+                <a:cs typeface="Courier New" panose="02070309020205020404" pitchFamily="49" charset="0"/>
+              </a:rPr>
+            </a:br>
+            <a:r>
+              <a:rPr lang="en-US" sz="2000" b="1" dirty="0">
+                <a:latin typeface="Courier New" panose="02070309020205020404" pitchFamily="49" charset="0"/>
+                <a:cs typeface="Courier New" panose="02070309020205020404" pitchFamily="49" charset="0"/>
+              </a:rPr>
+              <a:t>   </a:t>
+            </a:r>
+            <a:r>
+              <a:rPr lang="en-US" sz="2000" b="1" dirty="0" err="1">
+                <a:solidFill>
+                  <a:srgbClr val="7030A0"/>
+                </a:solidFill>
+                <a:latin typeface="Courier New" panose="02070309020205020404" pitchFamily="49" charset="0"/>
+                <a:cs typeface="Courier New" panose="02070309020205020404" pitchFamily="49" charset="0"/>
+              </a:rPr>
+              <a:t>rc.myData</a:t>
+            </a:r>
+            <a:r>
+              <a:rPr lang="en-US" sz="2000" b="1" dirty="0">
+                <a:solidFill>
+                  <a:srgbClr val="7030A0"/>
+                </a:solidFill>
+                <a:latin typeface="Courier New" panose="02070309020205020404" pitchFamily="49" charset="0"/>
+                <a:cs typeface="Courier New" panose="02070309020205020404" pitchFamily="49" charset="0"/>
+              </a:rPr>
+              <a:t> </a:t>
+            </a:r>
+            <a:r>
+              <a:rPr lang="en-US" sz="2000" b="1" dirty="0">
+                <a:latin typeface="Courier New" panose="02070309020205020404" pitchFamily="49" charset="0"/>
+                <a:cs typeface="Courier New" panose="02070309020205020404" pitchFamily="49" charset="0"/>
+              </a:rPr>
+              <a:t>= </a:t>
+            </a:r>
+            <a:r>
+              <a:rPr lang="en-US" sz="2000" b="1" dirty="0" err="1">
+                <a:latin typeface="Courier New" panose="02070309020205020404" pitchFamily="49" charset="0"/>
+                <a:cs typeface="Courier New" panose="02070309020205020404" pitchFamily="49" charset="0"/>
+              </a:rPr>
+              <a:t>someComplexProcess</a:t>
+            </a:r>
+            <a:r>
+              <a:rPr lang="en-US" sz="2000" b="1" dirty="0">
+                <a:latin typeface="Courier New" panose="02070309020205020404" pitchFamily="49" charset="0"/>
+                <a:cs typeface="Courier New" panose="02070309020205020404" pitchFamily="49" charset="0"/>
+              </a:rPr>
+              <a:t>();</a:t>
+            </a:r>
+          </a:p>
+          <a:p>
+            <a:pPr marL="0" indent="0">
+              <a:buNone/>
+            </a:pPr>
+            <a:r>
+              <a:rPr lang="en-US" sz="2000" b="1" dirty="0">
+                <a:latin typeface="Courier New" panose="02070309020205020404" pitchFamily="49" charset="0"/>
+                <a:cs typeface="Courier New" panose="02070309020205020404" pitchFamily="49" charset="0"/>
+              </a:rPr>
+              <a:t>   // put it in the cache for an hour</a:t>
+            </a:r>
+            <a:br>
+              <a:rPr lang="en-US" sz="2000" b="1" dirty="0">
+                <a:latin typeface="Courier New" panose="02070309020205020404" pitchFamily="49" charset="0"/>
+                <a:cs typeface="Courier New" panose="02070309020205020404" pitchFamily="49" charset="0"/>
+              </a:rPr>
+            </a:br>
+            <a:r>
+              <a:rPr lang="en-US" sz="2000" b="1" dirty="0">
+                <a:latin typeface="Courier New" panose="02070309020205020404" pitchFamily="49" charset="0"/>
+                <a:cs typeface="Courier New" panose="02070309020205020404" pitchFamily="49" charset="0"/>
+              </a:rPr>
+              <a:t>   </a:t>
+            </a:r>
+            <a:r>
+              <a:rPr lang="en-US" sz="2000" b="1" dirty="0" err="1">
+                <a:solidFill>
+                  <a:schemeClr val="accent1"/>
+                </a:solidFill>
+                <a:latin typeface="Courier New" panose="02070309020205020404" pitchFamily="49" charset="0"/>
+                <a:cs typeface="Courier New" panose="02070309020205020404" pitchFamily="49" charset="0"/>
+              </a:rPr>
+              <a:t>cachePut</a:t>
+            </a:r>
+            <a:r>
+              <a:rPr lang="en-US" sz="2000" b="1" dirty="0">
+                <a:latin typeface="Courier New" panose="02070309020205020404" pitchFamily="49" charset="0"/>
+                <a:cs typeface="Courier New" panose="02070309020205020404" pitchFamily="49" charset="0"/>
+              </a:rPr>
+              <a:t>( '</a:t>
+            </a:r>
+            <a:r>
+              <a:rPr lang="en-US" sz="2000" b="1" dirty="0" err="1">
+                <a:solidFill>
+                  <a:srgbClr val="002060"/>
+                </a:solidFill>
+                <a:latin typeface="Courier New" panose="02070309020205020404" pitchFamily="49" charset="0"/>
+                <a:cs typeface="Courier New" panose="02070309020205020404" pitchFamily="49" charset="0"/>
+              </a:rPr>
+              <a:t>myCachedData</a:t>
+            </a:r>
+            <a:r>
+              <a:rPr lang="en-US" sz="2000" b="1" dirty="0">
+                <a:latin typeface="Courier New" panose="02070309020205020404" pitchFamily="49" charset="0"/>
+                <a:cs typeface="Courier New" panose="02070309020205020404" pitchFamily="49" charset="0"/>
+              </a:rPr>
+              <a:t>', </a:t>
+            </a:r>
+            <a:r>
+              <a:rPr lang="en-US" sz="2000" b="1" dirty="0" err="1">
+                <a:solidFill>
+                  <a:srgbClr val="7030A0"/>
+                </a:solidFill>
+                <a:latin typeface="Courier New" panose="02070309020205020404" pitchFamily="49" charset="0"/>
+                <a:cs typeface="Courier New" panose="02070309020205020404" pitchFamily="49" charset="0"/>
+              </a:rPr>
+              <a:t>rc.myData</a:t>
+            </a:r>
+            <a:r>
+              <a:rPr lang="en-US" sz="2000" b="1" dirty="0">
+                <a:latin typeface="Courier New" panose="02070309020205020404" pitchFamily="49" charset="0"/>
+                <a:cs typeface="Courier New" panose="02070309020205020404" pitchFamily="49" charset="0"/>
+              </a:rPr>
+              <a:t>, </a:t>
+            </a:r>
+            <a:r>
+              <a:rPr lang="en-US" sz="2000" b="1" dirty="0" err="1">
+                <a:latin typeface="Courier New" panose="02070309020205020404" pitchFamily="49" charset="0"/>
+                <a:cs typeface="Courier New" panose="02070309020205020404" pitchFamily="49" charset="0"/>
+              </a:rPr>
+              <a:t>createTimeSpan</a:t>
+            </a:r>
+            <a:r>
+              <a:rPr lang="en-US" sz="2000" b="1" dirty="0">
+                <a:latin typeface="Courier New" panose="02070309020205020404" pitchFamily="49" charset="0"/>
+                <a:cs typeface="Courier New" panose="02070309020205020404" pitchFamily="49" charset="0"/>
+              </a:rPr>
+              <a:t>( 0, 1, 0, 0 ) );</a:t>
+            </a:r>
+          </a:p>
+          <a:p>
+            <a:pPr marL="0" indent="0">
+              <a:buNone/>
+            </a:pPr>
+            <a:br>
+              <a:rPr lang="en-US" sz="2000" b="1" dirty="0">
+                <a:latin typeface="Courier New" panose="02070309020205020404" pitchFamily="49" charset="0"/>
+                <a:cs typeface="Courier New" panose="02070309020205020404" pitchFamily="49" charset="0"/>
+              </a:rPr>
+            </a:br>
+            <a:r>
+              <a:rPr lang="en-US" sz="2000" b="1" dirty="0">
+                <a:latin typeface="Courier New" panose="02070309020205020404" pitchFamily="49" charset="0"/>
+                <a:cs typeface="Courier New" panose="02070309020205020404" pitchFamily="49" charset="0"/>
+              </a:rPr>
+              <a:t>}</a:t>
+            </a:r>
+            <a:br>
+              <a:rPr lang="en-US" sz="2000" b="1" dirty="0">
+                <a:latin typeface="Courier New" panose="02070309020205020404" pitchFamily="49" charset="0"/>
+                <a:cs typeface="Courier New" panose="02070309020205020404" pitchFamily="49" charset="0"/>
+              </a:rPr>
+            </a:br>
+            <a:br>
+              <a:rPr lang="en-US" sz="2000" b="1" dirty="0">
+                <a:latin typeface="Courier New" panose="02070309020205020404" pitchFamily="49" charset="0"/>
+                <a:cs typeface="Courier New" panose="02070309020205020404" pitchFamily="49" charset="0"/>
+              </a:rPr>
+            </a:br>
+            <a:r>
+              <a:rPr lang="en-US" sz="2000" b="1" dirty="0">
+                <a:latin typeface="Courier New" panose="02070309020205020404" pitchFamily="49" charset="0"/>
+                <a:cs typeface="Courier New" panose="02070309020205020404" pitchFamily="49" charset="0"/>
+              </a:rPr>
+              <a:t>// do something with </a:t>
+            </a:r>
+            <a:r>
+              <a:rPr lang="en-US" sz="2000" b="1" dirty="0" err="1">
+                <a:solidFill>
+                  <a:srgbClr val="7030A0"/>
+                </a:solidFill>
+                <a:latin typeface="Courier New" panose="02070309020205020404" pitchFamily="49" charset="0"/>
+                <a:cs typeface="Courier New" panose="02070309020205020404" pitchFamily="49" charset="0"/>
+              </a:rPr>
+              <a:t>rc.myData</a:t>
+            </a:r>
+            <a:endParaRPr lang="en-US" sz="2000" b="1" dirty="0">
+              <a:latin typeface="Courier New" panose="02070309020205020404" pitchFamily="49" charset="0"/>
+              <a:cs typeface="Courier New" panose="02070309020205020404" pitchFamily="49" charset="0"/>
+            </a:endParaRPr>
+          </a:p>
+        </p:txBody>
+      </p:sp>
+    </p:spTree>
+    <p:extLst>
+      <p:ext uri="{BB962C8B-B14F-4D97-AF65-F5344CB8AC3E}">
+        <p14:creationId xmlns:p14="http://schemas.microsoft.com/office/powerpoint/2010/main" val="1213341132"/>
+      </p:ext>
+    </p:extLst>
+  </p:cSld>
+  <p:clrMapOvr>
+    <a:masterClrMapping/>
+  </p:clrMapOvr>
+</p:sld>
+</file>
+
+<file path=ppt/slides/slide18.xml><?xml version="1.0" encoding="utf-8"?>
+<p:sld xmlns:a="http://schemas.openxmlformats.org/drawingml/2006/main" xmlns:r="http://schemas.openxmlformats.org/officeDocument/2006/relationships" xmlns:p="http://schemas.openxmlformats.org/presentationml/2006/main">
+  <p:cSld>
+    <p:spTree>
+      <p:nvGrpSpPr>
+        <p:cNvPr id="1" name=""/>
+        <p:cNvGrpSpPr/>
+        <p:nvPr/>
+      </p:nvGrpSpPr>
+      <p:grpSpPr>
+        <a:xfrm>
+          <a:off x="0" y="0"/>
+          <a:ext cx="0" cy="0"/>
+          <a:chOff x="0" y="0"/>
+          <a:chExt cx="0" cy="0"/>
+        </a:xfrm>
+      </p:grpSpPr>
+      <p:sp>
+        <p:nvSpPr>
+          <p:cNvPr id="2" name="Title 1">
+            <a:extLst>
+              <a:ext uri="{FF2B5EF4-FFF2-40B4-BE49-F238E27FC236}">
+                <a16:creationId xmlns:a16="http://schemas.microsoft.com/office/drawing/2014/main" id="{FFA544C9-C876-4828-BBFD-9269000A8EB2}"/>
+              </a:ext>
+            </a:extLst>
+          </p:cNvPr>
+          <p:cNvSpPr>
+            <a:spLocks noGrp="1"/>
+          </p:cNvSpPr>
+          <p:nvPr>
+            <p:ph type="title"/>
+          </p:nvPr>
+        </p:nvSpPr>
+        <p:spPr/>
+        <p:txBody>
+          <a:bodyPr/>
+          <a:lstStyle/>
+          <a:p>
+            <a:r>
+              <a:rPr lang="en-US" dirty="0" err="1"/>
               <a:t>cacheremove</a:t>
             </a:r>
             <a:endParaRPr lang="en-US" dirty="0"/>
@@ -8866,7 +9047,7 @@
 </p:sld>
 </file>
 
-<file path=ppt/slides/slide18.xml><?xml version="1.0" encoding="utf-8"?>
+<file path=ppt/slides/slide19.xml><?xml version="1.0" encoding="utf-8"?>
 <p:sld xmlns:a="http://schemas.openxmlformats.org/drawingml/2006/main" xmlns:r="http://schemas.openxmlformats.org/officeDocument/2006/relationships" xmlns:p="http://schemas.openxmlformats.org/presentationml/2006/main">
   <p:cSld>
     <p:spTree>

--- a/Caching & Performance in ColdFusion - ACF Summit 2019.pptx
+++ b/Caching & Performance in ColdFusion - ACF Summit 2019.pptx
@@ -23,7 +23,8 @@
     <p:sldId id="268" r:id="rId17"/>
     <p:sldId id="271" r:id="rId18"/>
     <p:sldId id="272" r:id="rId19"/>
-    <p:sldId id="273" r:id="rId20"/>
+    <p:sldId id="275" r:id="rId20"/>
+    <p:sldId id="273" r:id="rId21"/>
   </p:sldIdLst>
   <p:sldSz cx="12192000" cy="6858000"/>
   <p:notesSz cx="6858000" cy="9144000"/>
@@ -145,6 +146,7 @@
             <p14:sldId id="268"/>
             <p14:sldId id="271"/>
             <p14:sldId id="272"/>
+            <p14:sldId id="275"/>
             <p14:sldId id="273"/>
           </p14:sldIdLst>
         </p14:section>
@@ -7490,7 +7492,7 @@
             </a:r>
             <a:r>
               <a:rPr lang="en-US" dirty="0"/>
-              <a:t> provides multiple advanced features on top of the existing language:</a:t>
+              <a:t> provides multiple advanced features:</a:t>
             </a:r>
             <a:br>
               <a:rPr lang="en-US" dirty="0"/>
@@ -7553,13 +7555,8 @@
             </a:r>
             <a:r>
               <a:rPr lang="en-US" dirty="0"/>
-              <a:t> and other products in the *</a:t>
-            </a:r>
-            <a:r>
-              <a:rPr lang="en-US"/>
-              <a:t>Box ecosystem</a:t>
-            </a:r>
-            <a:endParaRPr lang="en-US" dirty="0"/>
+              <a:t> and other products in the *Box ecosystem</a:t>
+            </a:r>
           </a:p>
           <a:p>
             <a:pPr lvl="1"/>
@@ -9069,7 +9066,7 @@
           <p:cNvPr id="2" name="Title 1">
             <a:extLst>
               <a:ext uri="{FF2B5EF4-FFF2-40B4-BE49-F238E27FC236}">
-                <a16:creationId xmlns:a16="http://schemas.microsoft.com/office/drawing/2014/main" id="{BC253396-83CD-4A7D-839D-10BD5CFF5033}"/>
+                <a16:creationId xmlns:a16="http://schemas.microsoft.com/office/drawing/2014/main" id="{43F1238A-E60A-4D9B-A5D8-F12215C6998F}"/>
               </a:ext>
             </a:extLst>
           </p:cNvPr>
@@ -9087,7 +9084,7 @@
           <a:p>
             <a:r>
               <a:rPr lang="en-US" dirty="0"/>
-              <a:t>Additional resources</a:t>
+              <a:t>We’re Hiring!</a:t>
             </a:r>
           </a:p>
         </p:txBody>
@@ -9097,7 +9094,7 @@
           <p:cNvPr id="3" name="Content Placeholder 2">
             <a:extLst>
               <a:ext uri="{FF2B5EF4-FFF2-40B4-BE49-F238E27FC236}">
-                <a16:creationId xmlns:a16="http://schemas.microsoft.com/office/drawing/2014/main" id="{95CBE2CE-FEEB-4DA2-9731-E9C887180A61}"/>
+                <a16:creationId xmlns:a16="http://schemas.microsoft.com/office/drawing/2014/main" id="{0612F40F-0C0D-4F57-B81B-DA88C23CC1F5}"/>
               </a:ext>
             </a:extLst>
           </p:cNvPr>
@@ -9111,36 +9108,129 @@
         <p:spPr/>
         <p:txBody>
           <a:bodyPr>
-            <a:normAutofit/>
+            <a:normAutofit lnSpcReduction="10000"/>
           </a:bodyPr>
           <a:lstStyle/>
           <a:p>
             <a:r>
-              <a:rPr lang="en-US" sz="1800" dirty="0">
+              <a:rPr lang="en-US" dirty="0"/>
+              <a:t>Mid-level ColdFusion developer</a:t>
+            </a:r>
+          </a:p>
+          <a:p>
+            <a:endParaRPr lang="en-US" dirty="0"/>
+          </a:p>
+          <a:p>
+            <a:r>
+              <a:rPr lang="en-US" dirty="0"/>
+              <a:t>Legacy code - 50%</a:t>
+            </a:r>
+          </a:p>
+          <a:p>
+            <a:endParaRPr lang="en-US" dirty="0"/>
+          </a:p>
+          <a:p>
+            <a:r>
+              <a:rPr lang="en-US" dirty="0" err="1"/>
+              <a:t>ColdBox</a:t>
+            </a:r>
+            <a:r>
+              <a:rPr lang="en-US" dirty="0"/>
+              <a:t> projects w/ OOP, FP, member functions, etc. - 50%</a:t>
+            </a:r>
+          </a:p>
+          <a:p>
+            <a:endParaRPr lang="en-US" dirty="0"/>
+          </a:p>
+          <a:p>
+            <a:r>
+              <a:rPr lang="en-US" dirty="0"/>
+              <a:t>Expert mentoring by yours truly and other senior </a:t>
+            </a:r>
+            <a:r>
+              <a:rPr lang="en-US" dirty="0" err="1"/>
+              <a:t>devs</a:t>
+            </a:r>
+            <a:endParaRPr lang="en-US" dirty="0"/>
+          </a:p>
+          <a:p>
+            <a:endParaRPr lang="en-US" dirty="0"/>
+          </a:p>
+          <a:p>
+            <a:r>
+              <a:rPr lang="en-US" dirty="0"/>
+              <a:t>Send resume to </a:t>
+            </a:r>
+            <a:r>
+              <a:rPr lang="en-US" dirty="0">
                 <a:hlinkClick r:id="rId2"/>
               </a:rPr>
-              <a:t>http://learncfinaweek.com/course/index/section/Caching/item/Caching</a:t>
-            </a:r>
-            <a:endParaRPr lang="en-US" sz="1800" dirty="0"/>
-          </a:p>
-          <a:p>
-            <a:endParaRPr lang="en-US" sz="1800" dirty="0"/>
-          </a:p>
-          <a:p>
-            <a:r>
-              <a:rPr lang="en-US" sz="1800" dirty="0">
-                <a:hlinkClick r:id="rId3"/>
-              </a:rPr>
-              <a:t>http://learncfinaweek.com/course/index/section/Caching/item/Advanced_Caching</a:t>
-            </a:r>
-            <a:endParaRPr lang="en-US" sz="1800" dirty="0"/>
-          </a:p>
-        </p:txBody>
-      </p:sp>
+              <a:t>hello@meetingplay.com</a:t>
+            </a:r>
+            <a:r>
+              <a:rPr lang="en-US" dirty="0"/>
+              <a:t> </a:t>
+            </a:r>
+            <a:br>
+              <a:rPr lang="en-US" dirty="0"/>
+            </a:br>
+            <a:r>
+              <a:rPr lang="en-US" dirty="0"/>
+              <a:t>or see me after the session for more information</a:t>
+            </a:r>
+          </a:p>
+        </p:txBody>
+      </p:sp>
+      <p:pic>
+        <p:nvPicPr>
+          <p:cNvPr id="4" name="Picture 3">
+            <a:extLst>
+              <a:ext uri="{FF2B5EF4-FFF2-40B4-BE49-F238E27FC236}">
+                <a16:creationId xmlns:a16="http://schemas.microsoft.com/office/drawing/2014/main" id="{CC740FDB-8A3D-4D9E-9F91-F1BF246E1B66}"/>
+              </a:ext>
+            </a:extLst>
+          </p:cNvPr>
+          <p:cNvPicPr>
+            <a:picLocks noChangeAspect="1"/>
+          </p:cNvPicPr>
+          <p:nvPr/>
+        </p:nvPicPr>
+        <p:blipFill>
+          <a:blip r:embed="rId3"/>
+          <a:stretch>
+            <a:fillRect/>
+          </a:stretch>
+        </p:blipFill>
+        <p:spPr>
+          <a:xfrm>
+            <a:off x="8185119" y="5283490"/>
+            <a:ext cx="2997200" cy="571500"/>
+          </a:xfrm>
+          <a:prstGeom prst="rect">
+            <a:avLst/>
+          </a:prstGeom>
+          <a:solidFill>
+            <a:srgbClr val="0070C0"/>
+          </a:solidFill>
+          <a:ln w="127000" cap="sq">
+            <a:solidFill>
+              <a:srgbClr val="0070C0"/>
+            </a:solidFill>
+            <a:miter lim="800000"/>
+          </a:ln>
+          <a:effectLst>
+            <a:outerShdw blurRad="254000" dist="190500" dir="2700000" sy="90000" algn="bl" rotWithShape="0">
+              <a:srgbClr val="000000">
+                <a:alpha val="40000"/>
+              </a:srgbClr>
+            </a:outerShdw>
+          </a:effectLst>
+        </p:spPr>
+      </p:pic>
     </p:spTree>
     <p:extLst>
       <p:ext uri="{BB962C8B-B14F-4D97-AF65-F5344CB8AC3E}">
-        <p14:creationId xmlns:p14="http://schemas.microsoft.com/office/powerpoint/2010/main" val="3832222988"/>
+        <p14:creationId xmlns:p14="http://schemas.microsoft.com/office/powerpoint/2010/main" val="1827075861"/>
       </p:ext>
     </p:extLst>
   </p:cSld>
@@ -9282,6 +9372,109 @@
 </p:sld>
 </file>
 
+<file path=ppt/slides/slide20.xml><?xml version="1.0" encoding="utf-8"?>
+<p:sld xmlns:a="http://schemas.openxmlformats.org/drawingml/2006/main" xmlns:r="http://schemas.openxmlformats.org/officeDocument/2006/relationships" xmlns:p="http://schemas.openxmlformats.org/presentationml/2006/main">
+  <p:cSld>
+    <p:spTree>
+      <p:nvGrpSpPr>
+        <p:cNvPr id="1" name=""/>
+        <p:cNvGrpSpPr/>
+        <p:nvPr/>
+      </p:nvGrpSpPr>
+      <p:grpSpPr>
+        <a:xfrm>
+          <a:off x="0" y="0"/>
+          <a:ext cx="0" cy="0"/>
+          <a:chOff x="0" y="0"/>
+          <a:chExt cx="0" cy="0"/>
+        </a:xfrm>
+      </p:grpSpPr>
+      <p:sp>
+        <p:nvSpPr>
+          <p:cNvPr id="2" name="Title 1">
+            <a:extLst>
+              <a:ext uri="{FF2B5EF4-FFF2-40B4-BE49-F238E27FC236}">
+                <a16:creationId xmlns:a16="http://schemas.microsoft.com/office/drawing/2014/main" id="{BC253396-83CD-4A7D-839D-10BD5CFF5033}"/>
+              </a:ext>
+            </a:extLst>
+          </p:cNvPr>
+          <p:cNvSpPr>
+            <a:spLocks noGrp="1"/>
+          </p:cNvSpPr>
+          <p:nvPr>
+            <p:ph type="title"/>
+          </p:nvPr>
+        </p:nvSpPr>
+        <p:spPr/>
+        <p:txBody>
+          <a:bodyPr/>
+          <a:lstStyle/>
+          <a:p>
+            <a:r>
+              <a:rPr lang="en-US" dirty="0"/>
+              <a:t>Additional resources</a:t>
+            </a:r>
+          </a:p>
+        </p:txBody>
+      </p:sp>
+      <p:sp>
+        <p:nvSpPr>
+          <p:cNvPr id="3" name="Content Placeholder 2">
+            <a:extLst>
+              <a:ext uri="{FF2B5EF4-FFF2-40B4-BE49-F238E27FC236}">
+                <a16:creationId xmlns:a16="http://schemas.microsoft.com/office/drawing/2014/main" id="{95CBE2CE-FEEB-4DA2-9731-E9C887180A61}"/>
+              </a:ext>
+            </a:extLst>
+          </p:cNvPr>
+          <p:cNvSpPr>
+            <a:spLocks noGrp="1"/>
+          </p:cNvSpPr>
+          <p:nvPr>
+            <p:ph idx="1"/>
+          </p:nvPr>
+        </p:nvSpPr>
+        <p:spPr/>
+        <p:txBody>
+          <a:bodyPr>
+            <a:normAutofit/>
+          </a:bodyPr>
+          <a:lstStyle/>
+          <a:p>
+            <a:r>
+              <a:rPr lang="en-US" sz="1800" dirty="0">
+                <a:hlinkClick r:id="rId2"/>
+              </a:rPr>
+              <a:t>http://learncfinaweek.com/course/index/section/Caching/item/Caching</a:t>
+            </a:r>
+            <a:endParaRPr lang="en-US" sz="1800" dirty="0"/>
+          </a:p>
+          <a:p>
+            <a:endParaRPr lang="en-US" sz="1800" dirty="0"/>
+          </a:p>
+          <a:p>
+            <a:r>
+              <a:rPr lang="en-US" sz="1800" dirty="0">
+                <a:hlinkClick r:id="rId3"/>
+              </a:rPr>
+              <a:t>http://learncfinaweek.com/course/index/section/Caching/item/Advanced_Caching</a:t>
+            </a:r>
+            <a:endParaRPr lang="en-US" sz="1800" dirty="0"/>
+          </a:p>
+        </p:txBody>
+      </p:sp>
+    </p:spTree>
+    <p:extLst>
+      <p:ext uri="{BB962C8B-B14F-4D97-AF65-F5344CB8AC3E}">
+        <p14:creationId xmlns:p14="http://schemas.microsoft.com/office/powerpoint/2010/main" val="3832222988"/>
+      </p:ext>
+    </p:extLst>
+  </p:cSld>
+  <p:clrMapOvr>
+    <a:masterClrMapping/>
+  </p:clrMapOvr>
+</p:sld>
+</file>
+
 <file path=ppt/slides/slide3.xml><?xml version="1.0" encoding="utf-8"?>
 <p:sld xmlns:a="http://schemas.openxmlformats.org/drawingml/2006/main" xmlns:r="http://schemas.openxmlformats.org/officeDocument/2006/relationships" xmlns:p="http://schemas.openxmlformats.org/presentationml/2006/main">
   <p:cSld>
@@ -9399,6 +9592,16 @@
             <a:r>
               <a:rPr lang="en-US" dirty="0"/>
               <a:t>20+ years polyglot developer</a:t>
+            </a:r>
+          </a:p>
+          <a:p>
+            <a:pPr marL="285750" indent="-285750">
+              <a:buFont typeface="Arial" panose="020B0604020202020204" pitchFamily="34" charset="0"/>
+              <a:buChar char="•"/>
+            </a:pPr>
+            <a:r>
+              <a:rPr lang="en-US" dirty="0"/>
+              <a:t>10+ years systems engineer</a:t>
             </a:r>
           </a:p>
           <a:p>
@@ -9503,18 +9706,6 @@
   <p:clrMapOvr>
     <a:masterClrMapping/>
   </p:clrMapOvr>
-  <mc:AlternateContent xmlns:mc="http://schemas.openxmlformats.org/markup-compatibility/2006" xmlns:p159="http://schemas.microsoft.com/office/powerpoint/2015/09/main">
-    <mc:Choice Requires="p159">
-      <p:transition xmlns:p14="http://schemas.microsoft.com/office/powerpoint/2010/main" spd="slow" p14:dur="2000">
-        <p159:morph option="byObject"/>
-      </p:transition>
-    </mc:Choice>
-    <mc:Fallback xmlns="">
-      <p:transition spd="slow">
-        <p:fade/>
-      </p:transition>
-    </mc:Fallback>
-  </mc:AlternateContent>
 </p:sld>
 </file>
 
